--- a/folien/week9.pptx
+++ b/folien/week9.pptx
@@ -223,7 +223,7 @@
           <a:p>
             <a:fld id="{21C000D9-2858-4F4C-AF5C-64F79A7C2410}" type="datetimeFigureOut">
               <a:rPr lang="en-US" smtClean="0"/>
-              <a:t>12/8/2021</a:t>
+              <a:t>5/30/2022</a:t>
             </a:fld>
             <a:endParaRPr lang="en-US"/>
           </a:p>
@@ -3236,7 +3236,7 @@
                 <a:latin typeface="Arial" panose="020B0604020202020204" pitchFamily="34" charset="0"/>
                 <a:cs typeface="Arial" panose="020B0604020202020204" pitchFamily="34" charset="0"/>
               </a:rPr>
-              <a:t>8.12.21</a:t>
+              <a:t>31.5.22</a:t>
             </a:r>
           </a:p>
         </p:txBody>
